--- a/weekly presentations/8 MNRS by QSVT - In Detail.pptx
+++ b/weekly presentations/8 MNRS by QSVT - In Detail.pptx
@@ -126,7 +126,7 @@
 <file path=ppt/revisionInfo.xml><?xml version="1.0" encoding="utf-8"?>
 <p1510:revInfo xmlns:a="http://schemas.openxmlformats.org/drawingml/2006/main" xmlns:r="http://schemas.openxmlformats.org/officeDocument/2006/relationships" xmlns:p1510="http://schemas.microsoft.com/office/powerpoint/2015/10/main">
   <p1510:revLst>
-    <p1510:client id="{67B91440-F8FA-4EC9-A3EA-653E33862D57}" v="88" dt="2025-06-23T03:59:18.454"/>
+    <p1510:client id="{67B91440-F8FA-4EC9-A3EA-653E33862D57}" v="123" dt="2025-06-23T06:24:44.890"/>
   </p1510:revLst>
 </p1510:revInfo>
 </file>
@@ -136,7 +136,7 @@
   <pc:docChgLst>
     <pc:chgData name="Sharan Krishnan" userId="d960a99d961c8714" providerId="LiveId" clId="{67B91440-F8FA-4EC9-A3EA-653E33862D57}"/>
     <pc:docChg chg="custSel modSld">
-      <pc:chgData name="Sharan Krishnan" userId="d960a99d961c8714" providerId="LiveId" clId="{67B91440-F8FA-4EC9-A3EA-653E33862D57}" dt="2025-06-23T03:59:18.453" v="90" actId="20577"/>
+      <pc:chgData name="Sharan Krishnan" userId="d960a99d961c8714" providerId="LiveId" clId="{67B91440-F8FA-4EC9-A3EA-653E33862D57}" dt="2025-06-23T06:24:44.889" v="125" actId="20577"/>
       <pc:docMkLst>
         <pc:docMk/>
       </pc:docMkLst>
@@ -156,6 +156,21 @@
         </pc:spChg>
       </pc:sldChg>
       <pc:sldChg chg="modSp">
+        <pc:chgData name="Sharan Krishnan" userId="d960a99d961c8714" providerId="LiveId" clId="{67B91440-F8FA-4EC9-A3EA-653E33862D57}" dt="2025-06-23T06:23:56.331" v="124" actId="20577"/>
+        <pc:sldMkLst>
+          <pc:docMk/>
+          <pc:sldMk cId="2920657056" sldId="261"/>
+        </pc:sldMkLst>
+        <pc:spChg chg="mod">
+          <ac:chgData name="Sharan Krishnan" userId="d960a99d961c8714" providerId="LiveId" clId="{67B91440-F8FA-4EC9-A3EA-653E33862D57}" dt="2025-06-23T06:23:56.331" v="124" actId="20577"/>
+          <ac:spMkLst>
+            <pc:docMk/>
+            <pc:sldMk cId="2920657056" sldId="261"/>
+            <ac:spMk id="3" creationId="{745F03A3-D164-5CE8-F6BA-860A56CDA811}"/>
+          </ac:spMkLst>
+        </pc:spChg>
+      </pc:sldChg>
+      <pc:sldChg chg="modSp">
         <pc:chgData name="Sharan Krishnan" userId="d960a99d961c8714" providerId="LiveId" clId="{67B91440-F8FA-4EC9-A3EA-653E33862D57}" dt="2025-06-23T03:59:18.453" v="90" actId="20577"/>
         <pc:sldMkLst>
           <pc:docMk/>
@@ -171,13 +186,13 @@
         </pc:spChg>
       </pc:sldChg>
       <pc:sldChg chg="modSp mod">
-        <pc:chgData name="Sharan Krishnan" userId="d960a99d961c8714" providerId="LiveId" clId="{67B91440-F8FA-4EC9-A3EA-653E33862D57}" dt="2025-06-23T03:52:57.728" v="80" actId="5793"/>
+        <pc:chgData name="Sharan Krishnan" userId="d960a99d961c8714" providerId="LiveId" clId="{67B91440-F8FA-4EC9-A3EA-653E33862D57}" dt="2025-06-23T06:24:44.889" v="125" actId="20577"/>
         <pc:sldMkLst>
           <pc:docMk/>
           <pc:sldMk cId="1052606547" sldId="266"/>
         </pc:sldMkLst>
         <pc:spChg chg="mod">
-          <ac:chgData name="Sharan Krishnan" userId="d960a99d961c8714" providerId="LiveId" clId="{67B91440-F8FA-4EC9-A3EA-653E33862D57}" dt="2025-06-23T03:52:57.728" v="80" actId="5793"/>
+          <ac:chgData name="Sharan Krishnan" userId="d960a99d961c8714" providerId="LiveId" clId="{67B91440-F8FA-4EC9-A3EA-653E33862D57}" dt="2025-06-23T06:24:44.889" v="125" actId="20577"/>
           <ac:spMkLst>
             <pc:docMk/>
             <pc:sldMk cId="1052606547" sldId="266"/>
@@ -3586,8 +3601,8 @@
           </p:sp>
         </mc:Fallback>
       </mc:AlternateContent>
-      <mc:AlternateContent xmlns:mc="http://schemas.openxmlformats.org/markup-compatibility/2006">
-        <mc:Choice xmlns:a14="http://schemas.microsoft.com/office/drawing/2010/main" Requires="a14">
+      <mc:AlternateContent xmlns:mc="http://schemas.openxmlformats.org/markup-compatibility/2006" xmlns:a14="http://schemas.microsoft.com/office/drawing/2010/main">
+        <mc:Choice Requires="a14">
           <p:sp>
             <p:nvSpPr>
               <p:cNvPr id="3" name="Content Placeholder 2">
@@ -4444,7 +4459,13 @@
                         <a:rPr lang="en-US" b="0" i="1" smtClean="0">
                           <a:latin typeface="Cambria Math" panose="02040503050406030204" pitchFamily="18" charset="0"/>
                         </a:rPr>
-                        <m:t>≤4</m:t>
+                        <m:t>≤</m:t>
+                      </m:r>
+                      <m:r>
+                        <a:rPr lang="en-US" b="0" i="1" smtClean="0">
+                          <a:latin typeface="Cambria Math" panose="02040503050406030204" pitchFamily="18" charset="0"/>
+                        </a:rPr>
+                        <m:t>4</m:t>
                       </m:r>
                       <m:rad>
                         <m:radPr>
@@ -4762,7 +4783,7 @@
             </p:txBody>
           </p:sp>
         </mc:Choice>
-        <mc:Fallback>
+        <mc:Fallback xmlns="">
           <p:sp>
             <p:nvSpPr>
               <p:cNvPr id="3" name="Content Placeholder 2">
@@ -8514,8 +8535,8 @@
           </a:p>
         </p:txBody>
       </p:sp>
-      <mc:AlternateContent xmlns:mc="http://schemas.openxmlformats.org/markup-compatibility/2006">
-        <mc:Choice xmlns:a14="http://schemas.microsoft.com/office/drawing/2010/main" Requires="a14">
+      <mc:AlternateContent xmlns:mc="http://schemas.openxmlformats.org/markup-compatibility/2006" xmlns:a14="http://schemas.microsoft.com/office/drawing/2010/main">
+        <mc:Choice Requires="a14">
           <p:sp>
             <p:nvSpPr>
               <p:cNvPr id="3" name="Content Placeholder 2">
@@ -9524,7 +9545,7 @@
             </p:txBody>
           </p:sp>
         </mc:Choice>
-        <mc:Fallback>
+        <mc:Fallback xmlns="">
           <p:sp>
             <p:nvSpPr>
               <p:cNvPr id="3" name="Content Placeholder 2">
@@ -9627,8 +9648,8 @@
           </a:p>
         </p:txBody>
       </p:sp>
-      <mc:AlternateContent xmlns:mc="http://schemas.openxmlformats.org/markup-compatibility/2006" xmlns:a14="http://schemas.microsoft.com/office/drawing/2010/main">
-        <mc:Choice Requires="a14">
+      <mc:AlternateContent xmlns:mc="http://schemas.openxmlformats.org/markup-compatibility/2006">
+        <mc:Choice xmlns:a14="http://schemas.microsoft.com/office/drawing/2010/main" Requires="a14">
           <p:sp>
             <p:nvSpPr>
               <p:cNvPr id="3" name="Content Placeholder 2">
@@ -10689,7 +10710,67 @@
                             <a:rPr lang="en-US" b="0" i="1" smtClean="0">
                               <a:latin typeface="Cambria Math" panose="02040503050406030204" pitchFamily="18" charset="0"/>
                             </a:rPr>
-                            <m:t>−|</m:t>
+                            <m:t>−</m:t>
+                          </m:r>
+                          <m:r>
+                            <a:rPr lang="en-AU" b="0" i="1" smtClean="0">
+                              <a:latin typeface="Cambria Math" panose="02040503050406030204" pitchFamily="18" charset="0"/>
+                            </a:rPr>
+                            <m:t>|</m:t>
+                          </m:r>
+                          <m:acc>
+                            <m:accPr>
+                              <m:chr m:val="̅"/>
+                              <m:ctrlPr>
+                                <a:rPr lang="en-AU" b="0" i="1" smtClean="0">
+                                  <a:latin typeface="Cambria Math" panose="02040503050406030204" pitchFamily="18" charset="0"/>
+                                </a:rPr>
+                              </m:ctrlPr>
+                            </m:accPr>
+                            <m:e>
+                              <m:r>
+                                <a:rPr lang="en-AU" b="0" i="1" smtClean="0">
+                                  <a:latin typeface="Cambria Math" panose="02040503050406030204" pitchFamily="18" charset="0"/>
+                                </a:rPr>
+                                <m:t>0</m:t>
+                              </m:r>
+                            </m:e>
+                          </m:acc>
+                          <m:r>
+                            <a:rPr lang="en-AU" b="0" i="1" smtClean="0">
+                              <a:latin typeface="Cambria Math" panose="02040503050406030204" pitchFamily="18" charset="0"/>
+                            </a:rPr>
+                            <m:t>⟩⟨</m:t>
+                          </m:r>
+                          <m:acc>
+                            <m:accPr>
+                              <m:chr m:val="̅"/>
+                              <m:ctrlPr>
+                                <a:rPr lang="en-AU" b="0" i="1" smtClean="0">
+                                  <a:latin typeface="Cambria Math" panose="02040503050406030204" pitchFamily="18" charset="0"/>
+                                </a:rPr>
+                              </m:ctrlPr>
+                            </m:accPr>
+                            <m:e>
+                              <m:r>
+                                <a:rPr lang="en-AU" b="0" i="1" smtClean="0">
+                                  <a:latin typeface="Cambria Math" panose="02040503050406030204" pitchFamily="18" charset="0"/>
+                                </a:rPr>
+                                <m:t>0</m:t>
+                              </m:r>
+                            </m:e>
+                          </m:acc>
+                          <m:r>
+                            <a:rPr lang="en-AU" b="0" i="1" smtClean="0">
+                              <a:latin typeface="Cambria Math" panose="02040503050406030204" pitchFamily="18" charset="0"/>
+                            </a:rPr>
+                            <m:t>|⊗</m:t>
+                          </m:r>
+                          <m:r>
+                            <a:rPr lang="en-US" b="0" i="1" smtClean="0">
+                              <a:latin typeface="Cambria Math" panose="02040503050406030204" pitchFamily="18" charset="0"/>
+                            </a:rPr>
+                            <m:t>|</m:t>
                           </m:r>
                           <m:rad>
                             <m:radPr>
@@ -10763,7 +10844,7 @@
             </p:txBody>
           </p:sp>
         </mc:Choice>
-        <mc:Fallback xmlns="">
+        <mc:Fallback>
           <p:sp>
             <p:nvSpPr>
               <p:cNvPr id="3" name="Content Placeholder 2">
@@ -10788,7 +10869,7 @@
               <a:blipFill>
                 <a:blip r:embed="rId2"/>
                 <a:stretch>
-                  <a:fillRect l="-965" t="-15385" r="-483" b="-16923"/>
+                  <a:fillRect l="-928" t="-2716" r="-638"/>
                 </a:stretch>
               </a:blipFill>
             </p:spPr>
@@ -10797,7 +10878,7 @@
               <a:lstStyle/>
               <a:p>
                 <a:r>
-                  <a:rPr lang="en-US">
+                  <a:rPr lang="en-AU">
                     <a:noFill/>
                   </a:rPr>
                   <a:t> </a:t>
@@ -13576,60 +13657,7 @@
                       <a:rPr lang="en-US" b="0" i="1" smtClean="0">
                         <a:latin typeface="Cambria Math" panose="02040503050406030204" pitchFamily="18" charset="0"/>
                       </a:rPr>
-                      <m:t>(</m:t>
-                    </m:r>
-                    <m:func>
-                      <m:funcPr>
-                        <m:ctrlPr>
-                          <a:rPr lang="en-AU" b="0" i="1" smtClean="0">
-                            <a:latin typeface="Cambria Math" panose="02040503050406030204" pitchFamily="18" charset="0"/>
-                          </a:rPr>
-                        </m:ctrlPr>
-                      </m:funcPr>
-                      <m:fName>
-                        <m:r>
-                          <m:rPr>
-                            <m:sty m:val="p"/>
-                          </m:rPr>
-                          <a:rPr lang="en-AU" b="0" i="0" smtClean="0">
-                            <a:latin typeface="Cambria Math" panose="02040503050406030204" pitchFamily="18" charset="0"/>
-                          </a:rPr>
-                          <m:t>log</m:t>
-                        </m:r>
-                      </m:fName>
-                      <m:e>
-                        <m:sSub>
-                          <m:sSubPr>
-                            <m:ctrlPr>
-                              <a:rPr lang="en-AU" b="0" i="1" smtClean="0">
-                                <a:latin typeface="Cambria Math" panose="02040503050406030204" pitchFamily="18" charset="0"/>
-                              </a:rPr>
-                            </m:ctrlPr>
-                          </m:sSubPr>
-                          <m:e>
-                            <m:r>
-                              <a:rPr lang="en-AU" b="0" i="1" smtClean="0">
-                                <a:latin typeface="Cambria Math" panose="02040503050406030204" pitchFamily="18" charset="0"/>
-                              </a:rPr>
-                              <m:t>𝜖</m:t>
-                            </m:r>
-                          </m:e>
-                          <m:sub>
-                            <m:r>
-                              <a:rPr lang="en-AU" b="0" i="1" smtClean="0">
-                                <a:latin typeface="Cambria Math" panose="02040503050406030204" pitchFamily="18" charset="0"/>
-                              </a:rPr>
-                              <m:t>2</m:t>
-                            </m:r>
-                          </m:sub>
-                        </m:sSub>
-                      </m:e>
-                    </m:func>
-                    <m:r>
-                      <a:rPr lang="en-AU" b="0" i="1" smtClean="0">
-                        <a:latin typeface="Cambria Math" panose="02040503050406030204" pitchFamily="18" charset="0"/>
-                      </a:rPr>
-                      <m:t>/</m:t>
+                      <m:t>(1/</m:t>
                     </m:r>
                     <m:rad>
                       <m:radPr>
